--- a/docs/diagrams/StorageComponentClassDiagram.pptx
+++ b/docs/diagrams/StorageComponentClassDiagram.pptx
@@ -107,6 +107,22 @@
       </a:defRPr>
     </a:lvl9pPr>
   </p:defaultTextStyle>
+  <p:extLst>
+    <p:ext uri="{EFAFB233-063F-42B5-8137-9DF3F51BA10A}">
+      <p15:sldGuideLst xmlns:p15="http://schemas.microsoft.com/office/powerpoint/2012/main">
+        <p15:guide id="1" orient="horz" pos="1488">
+          <p15:clr>
+            <a:srgbClr val="A4A3A4"/>
+          </p15:clr>
+        </p15:guide>
+        <p15:guide id="2" pos="2880">
+          <p15:clr>
+            <a:srgbClr val="A4A3A4"/>
+          </p15:clr>
+        </p15:guide>
+      </p15:sldGuideLst>
+    </p:ext>
+  </p:extLst>
 </p:presentation>
 </file>
 
@@ -192,7 +208,7 @@
           <a:p>
             <a:fld id="{F5CC4B3F-88C1-4FFA-B1B6-F41C21DC6924}" type="datetimeFigureOut">
               <a:rPr lang="en-US" smtClean="0"/>
-              <a:t>10/16/2016</a:t>
+              <a:t>10/15/2018</a:t>
             </a:fld>
             <a:endParaRPr lang="en-US"/>
           </a:p>
@@ -256,38 +272,37 @@
           <a:p>
             <a:pPr lvl="0"/>
             <a:r>
-              <a:rPr lang="en-US" smtClean="0"/>
+              <a:rPr lang="en-US"/>
               <a:t>Click to edit Master text styles</a:t>
             </a:r>
           </a:p>
           <a:p>
             <a:pPr lvl="1"/>
             <a:r>
-              <a:rPr lang="en-US" smtClean="0"/>
+              <a:rPr lang="en-US"/>
               <a:t>Second level</a:t>
             </a:r>
           </a:p>
           <a:p>
             <a:pPr lvl="2"/>
             <a:r>
-              <a:rPr lang="en-US" smtClean="0"/>
+              <a:rPr lang="en-US"/>
               <a:t>Third level</a:t>
             </a:r>
           </a:p>
           <a:p>
             <a:pPr lvl="3"/>
             <a:r>
-              <a:rPr lang="en-US" smtClean="0"/>
+              <a:rPr lang="en-US"/>
               <a:t>Fourth level</a:t>
             </a:r>
           </a:p>
           <a:p>
             <a:pPr lvl="4"/>
             <a:r>
-              <a:rPr lang="en-US" smtClean="0"/>
+              <a:rPr lang="en-US"/>
               <a:t>Fifth level</a:t>
             </a:r>
-            <a:endParaRPr lang="en-US"/>
           </a:p>
         </p:txBody>
       </p:sp>
@@ -498,10 +513,9 @@
           <a:lstStyle/>
           <a:p>
             <a:r>
-              <a:rPr lang="en-US" smtClean="0"/>
+              <a:rPr lang="en-US"/>
               <a:t>Click to edit Master title style</a:t>
             </a:r>
-            <a:endParaRPr lang="en-US"/>
           </a:p>
         </p:txBody>
       </p:sp>
@@ -617,10 +631,9 @@
           </a:lstStyle>
           <a:p>
             <a:r>
-              <a:rPr lang="en-US" smtClean="0"/>
+              <a:rPr lang="en-US"/>
               <a:t>Click to edit Master subtitle style</a:t>
             </a:r>
-            <a:endParaRPr lang="en-US"/>
           </a:p>
         </p:txBody>
       </p:sp>
@@ -641,7 +654,7 @@
           <a:p>
             <a:fld id="{78C97017-6FC3-485B-9764-EAC9E56C1D49}" type="datetimeFigureOut">
               <a:rPr lang="en-US" smtClean="0"/>
-              <a:t>10/16/2016</a:t>
+              <a:t>10/15/2018</a:t>
             </a:fld>
             <a:endParaRPr lang="en-US"/>
           </a:p>
@@ -735,10 +748,9 @@
           <a:lstStyle/>
           <a:p>
             <a:r>
-              <a:rPr lang="en-US" smtClean="0"/>
+              <a:rPr lang="en-US"/>
               <a:t>Click to edit Master title style</a:t>
             </a:r>
-            <a:endParaRPr lang="en-US"/>
           </a:p>
         </p:txBody>
       </p:sp>
@@ -759,38 +771,37 @@
           <a:p>
             <a:pPr lvl="0"/>
             <a:r>
-              <a:rPr lang="en-US" smtClean="0"/>
+              <a:rPr lang="en-US"/>
               <a:t>Click to edit Master text styles</a:t>
             </a:r>
           </a:p>
           <a:p>
             <a:pPr lvl="1"/>
             <a:r>
-              <a:rPr lang="en-US" smtClean="0"/>
+              <a:rPr lang="en-US"/>
               <a:t>Second level</a:t>
             </a:r>
           </a:p>
           <a:p>
             <a:pPr lvl="2"/>
             <a:r>
-              <a:rPr lang="en-US" smtClean="0"/>
+              <a:rPr lang="en-US"/>
               <a:t>Third level</a:t>
             </a:r>
           </a:p>
           <a:p>
             <a:pPr lvl="3"/>
             <a:r>
-              <a:rPr lang="en-US" smtClean="0"/>
+              <a:rPr lang="en-US"/>
               <a:t>Fourth level</a:t>
             </a:r>
           </a:p>
           <a:p>
             <a:pPr lvl="4"/>
             <a:r>
-              <a:rPr lang="en-US" smtClean="0"/>
+              <a:rPr lang="en-US"/>
               <a:t>Fifth level</a:t>
             </a:r>
-            <a:endParaRPr lang="en-US"/>
           </a:p>
         </p:txBody>
       </p:sp>
@@ -811,7 +822,7 @@
           <a:p>
             <a:fld id="{78C97017-6FC3-485B-9764-EAC9E56C1D49}" type="datetimeFigureOut">
               <a:rPr lang="en-US" smtClean="0"/>
-              <a:t>10/16/2016</a:t>
+              <a:t>10/15/2018</a:t>
             </a:fld>
             <a:endParaRPr lang="en-US"/>
           </a:p>
@@ -910,10 +921,9 @@
           <a:lstStyle/>
           <a:p>
             <a:r>
-              <a:rPr lang="en-US" smtClean="0"/>
+              <a:rPr lang="en-US"/>
               <a:t>Click to edit Master title style</a:t>
             </a:r>
-            <a:endParaRPr lang="en-US"/>
           </a:p>
         </p:txBody>
       </p:sp>
@@ -939,38 +949,37 @@
           <a:p>
             <a:pPr lvl="0"/>
             <a:r>
-              <a:rPr lang="en-US" smtClean="0"/>
+              <a:rPr lang="en-US"/>
               <a:t>Click to edit Master text styles</a:t>
             </a:r>
           </a:p>
           <a:p>
             <a:pPr lvl="1"/>
             <a:r>
-              <a:rPr lang="en-US" smtClean="0"/>
+              <a:rPr lang="en-US"/>
               <a:t>Second level</a:t>
             </a:r>
           </a:p>
           <a:p>
             <a:pPr lvl="2"/>
             <a:r>
-              <a:rPr lang="en-US" smtClean="0"/>
+              <a:rPr lang="en-US"/>
               <a:t>Third level</a:t>
             </a:r>
           </a:p>
           <a:p>
             <a:pPr lvl="3"/>
             <a:r>
-              <a:rPr lang="en-US" smtClean="0"/>
+              <a:rPr lang="en-US"/>
               <a:t>Fourth level</a:t>
             </a:r>
           </a:p>
           <a:p>
             <a:pPr lvl="4"/>
             <a:r>
-              <a:rPr lang="en-US" smtClean="0"/>
+              <a:rPr lang="en-US"/>
               <a:t>Fifth level</a:t>
             </a:r>
-            <a:endParaRPr lang="en-US"/>
           </a:p>
         </p:txBody>
       </p:sp>
@@ -991,7 +1000,7 @@
           <a:p>
             <a:fld id="{78C97017-6FC3-485B-9764-EAC9E56C1D49}" type="datetimeFigureOut">
               <a:rPr lang="en-US" smtClean="0"/>
-              <a:t>10/16/2016</a:t>
+              <a:t>10/15/2018</a:t>
             </a:fld>
             <a:endParaRPr lang="en-US"/>
           </a:p>
@@ -1085,10 +1094,9 @@
           <a:lstStyle/>
           <a:p>
             <a:r>
-              <a:rPr lang="en-US" smtClean="0"/>
+              <a:rPr lang="en-US"/>
               <a:t>Click to edit Master title style</a:t>
             </a:r>
-            <a:endParaRPr lang="en-US"/>
           </a:p>
         </p:txBody>
       </p:sp>
@@ -1109,38 +1117,37 @@
           <a:p>
             <a:pPr lvl="0"/>
             <a:r>
-              <a:rPr lang="en-US" smtClean="0"/>
+              <a:rPr lang="en-US"/>
               <a:t>Click to edit Master text styles</a:t>
             </a:r>
           </a:p>
           <a:p>
             <a:pPr lvl="1"/>
             <a:r>
-              <a:rPr lang="en-US" smtClean="0"/>
+              <a:rPr lang="en-US"/>
               <a:t>Second level</a:t>
             </a:r>
           </a:p>
           <a:p>
             <a:pPr lvl="2"/>
             <a:r>
-              <a:rPr lang="en-US" smtClean="0"/>
+              <a:rPr lang="en-US"/>
               <a:t>Third level</a:t>
             </a:r>
           </a:p>
           <a:p>
             <a:pPr lvl="3"/>
             <a:r>
-              <a:rPr lang="en-US" smtClean="0"/>
+              <a:rPr lang="en-US"/>
               <a:t>Fourth level</a:t>
             </a:r>
           </a:p>
           <a:p>
             <a:pPr lvl="4"/>
             <a:r>
-              <a:rPr lang="en-US" smtClean="0"/>
+              <a:rPr lang="en-US"/>
               <a:t>Fifth level</a:t>
             </a:r>
-            <a:endParaRPr lang="en-US"/>
           </a:p>
         </p:txBody>
       </p:sp>
@@ -1161,7 +1168,7 @@
           <a:p>
             <a:fld id="{78C97017-6FC3-485B-9764-EAC9E56C1D49}" type="datetimeFigureOut">
               <a:rPr lang="en-US" smtClean="0"/>
-              <a:t>10/16/2016</a:t>
+              <a:t>10/15/2018</a:t>
             </a:fld>
             <a:endParaRPr lang="en-US"/>
           </a:p>
@@ -1264,10 +1271,9 @@
           </a:lstStyle>
           <a:p>
             <a:r>
-              <a:rPr lang="en-US" smtClean="0"/>
+              <a:rPr lang="en-US"/>
               <a:t>Click to edit Master title style</a:t>
             </a:r>
-            <a:endParaRPr lang="en-US"/>
           </a:p>
         </p:txBody>
       </p:sp>
@@ -1384,7 +1390,7 @@
           <a:p>
             <a:pPr lvl="0"/>
             <a:r>
-              <a:rPr lang="en-US" smtClean="0"/>
+              <a:rPr lang="en-US"/>
               <a:t>Click to edit Master text styles</a:t>
             </a:r>
           </a:p>
@@ -1407,7 +1413,7 @@
           <a:p>
             <a:fld id="{78C97017-6FC3-485B-9764-EAC9E56C1D49}" type="datetimeFigureOut">
               <a:rPr lang="en-US" smtClean="0"/>
-              <a:t>10/16/2016</a:t>
+              <a:t>10/15/2018</a:t>
             </a:fld>
             <a:endParaRPr lang="en-US"/>
           </a:p>
@@ -1501,10 +1507,9 @@
           <a:lstStyle/>
           <a:p>
             <a:r>
-              <a:rPr lang="en-US" smtClean="0"/>
+              <a:rPr lang="en-US"/>
               <a:t>Click to edit Master title style</a:t>
             </a:r>
-            <a:endParaRPr lang="en-US"/>
           </a:p>
         </p:txBody>
       </p:sp>
@@ -1558,38 +1563,37 @@
           <a:p>
             <a:pPr lvl="0"/>
             <a:r>
-              <a:rPr lang="en-US" smtClean="0"/>
+              <a:rPr lang="en-US"/>
               <a:t>Click to edit Master text styles</a:t>
             </a:r>
           </a:p>
           <a:p>
             <a:pPr lvl="1"/>
             <a:r>
-              <a:rPr lang="en-US" smtClean="0"/>
+              <a:rPr lang="en-US"/>
               <a:t>Second level</a:t>
             </a:r>
           </a:p>
           <a:p>
             <a:pPr lvl="2"/>
             <a:r>
-              <a:rPr lang="en-US" smtClean="0"/>
+              <a:rPr lang="en-US"/>
               <a:t>Third level</a:t>
             </a:r>
           </a:p>
           <a:p>
             <a:pPr lvl="3"/>
             <a:r>
-              <a:rPr lang="en-US" smtClean="0"/>
+              <a:rPr lang="en-US"/>
               <a:t>Fourth level</a:t>
             </a:r>
           </a:p>
           <a:p>
             <a:pPr lvl="4"/>
             <a:r>
-              <a:rPr lang="en-US" smtClean="0"/>
+              <a:rPr lang="en-US"/>
               <a:t>Fifth level</a:t>
             </a:r>
-            <a:endParaRPr lang="en-US"/>
           </a:p>
         </p:txBody>
       </p:sp>
@@ -1643,38 +1647,37 @@
           <a:p>
             <a:pPr lvl="0"/>
             <a:r>
-              <a:rPr lang="en-US" smtClean="0"/>
+              <a:rPr lang="en-US"/>
               <a:t>Click to edit Master text styles</a:t>
             </a:r>
           </a:p>
           <a:p>
             <a:pPr lvl="1"/>
             <a:r>
-              <a:rPr lang="en-US" smtClean="0"/>
+              <a:rPr lang="en-US"/>
               <a:t>Second level</a:t>
             </a:r>
           </a:p>
           <a:p>
             <a:pPr lvl="2"/>
             <a:r>
-              <a:rPr lang="en-US" smtClean="0"/>
+              <a:rPr lang="en-US"/>
               <a:t>Third level</a:t>
             </a:r>
           </a:p>
           <a:p>
             <a:pPr lvl="3"/>
             <a:r>
-              <a:rPr lang="en-US" smtClean="0"/>
+              <a:rPr lang="en-US"/>
               <a:t>Fourth level</a:t>
             </a:r>
           </a:p>
           <a:p>
             <a:pPr lvl="4"/>
             <a:r>
-              <a:rPr lang="en-US" smtClean="0"/>
+              <a:rPr lang="en-US"/>
               <a:t>Fifth level</a:t>
             </a:r>
-            <a:endParaRPr lang="en-US"/>
           </a:p>
         </p:txBody>
       </p:sp>
@@ -1695,7 +1698,7 @@
           <a:p>
             <a:fld id="{78C97017-6FC3-485B-9764-EAC9E56C1D49}" type="datetimeFigureOut">
               <a:rPr lang="en-US" smtClean="0"/>
-              <a:t>10/16/2016</a:t>
+              <a:t>10/15/2018</a:t>
             </a:fld>
             <a:endParaRPr lang="en-US"/>
           </a:p>
@@ -1793,10 +1796,9 @@
           </a:lstStyle>
           <a:p>
             <a:r>
-              <a:rPr lang="en-US" smtClean="0"/>
+              <a:rPr lang="en-US"/>
               <a:t>Click to edit Master title style</a:t>
             </a:r>
-            <a:endParaRPr lang="en-US"/>
           </a:p>
         </p:txBody>
       </p:sp>
@@ -1859,7 +1861,7 @@
           <a:p>
             <a:pPr lvl="0"/>
             <a:r>
-              <a:rPr lang="en-US" smtClean="0"/>
+              <a:rPr lang="en-US"/>
               <a:t>Click to edit Master text styles</a:t>
             </a:r>
           </a:p>
@@ -1915,38 +1917,37 @@
           <a:p>
             <a:pPr lvl="0"/>
             <a:r>
-              <a:rPr lang="en-US" smtClean="0"/>
+              <a:rPr lang="en-US"/>
               <a:t>Click to edit Master text styles</a:t>
             </a:r>
           </a:p>
           <a:p>
             <a:pPr lvl="1"/>
             <a:r>
-              <a:rPr lang="en-US" smtClean="0"/>
+              <a:rPr lang="en-US"/>
               <a:t>Second level</a:t>
             </a:r>
           </a:p>
           <a:p>
             <a:pPr lvl="2"/>
             <a:r>
-              <a:rPr lang="en-US" smtClean="0"/>
+              <a:rPr lang="en-US"/>
               <a:t>Third level</a:t>
             </a:r>
           </a:p>
           <a:p>
             <a:pPr lvl="3"/>
             <a:r>
-              <a:rPr lang="en-US" smtClean="0"/>
+              <a:rPr lang="en-US"/>
               <a:t>Fourth level</a:t>
             </a:r>
           </a:p>
           <a:p>
             <a:pPr lvl="4"/>
             <a:r>
-              <a:rPr lang="en-US" smtClean="0"/>
+              <a:rPr lang="en-US"/>
               <a:t>Fifth level</a:t>
             </a:r>
-            <a:endParaRPr lang="en-US"/>
           </a:p>
         </p:txBody>
       </p:sp>
@@ -2009,7 +2010,7 @@
           <a:p>
             <a:pPr lvl="0"/>
             <a:r>
-              <a:rPr lang="en-US" smtClean="0"/>
+              <a:rPr lang="en-US"/>
               <a:t>Click to edit Master text styles</a:t>
             </a:r>
           </a:p>
@@ -2065,38 +2066,37 @@
           <a:p>
             <a:pPr lvl="0"/>
             <a:r>
-              <a:rPr lang="en-US" smtClean="0"/>
+              <a:rPr lang="en-US"/>
               <a:t>Click to edit Master text styles</a:t>
             </a:r>
           </a:p>
           <a:p>
             <a:pPr lvl="1"/>
             <a:r>
-              <a:rPr lang="en-US" smtClean="0"/>
+              <a:rPr lang="en-US"/>
               <a:t>Second level</a:t>
             </a:r>
           </a:p>
           <a:p>
             <a:pPr lvl="2"/>
             <a:r>
-              <a:rPr lang="en-US" smtClean="0"/>
+              <a:rPr lang="en-US"/>
               <a:t>Third level</a:t>
             </a:r>
           </a:p>
           <a:p>
             <a:pPr lvl="3"/>
             <a:r>
-              <a:rPr lang="en-US" smtClean="0"/>
+              <a:rPr lang="en-US"/>
               <a:t>Fourth level</a:t>
             </a:r>
           </a:p>
           <a:p>
             <a:pPr lvl="4"/>
             <a:r>
-              <a:rPr lang="en-US" smtClean="0"/>
+              <a:rPr lang="en-US"/>
               <a:t>Fifth level</a:t>
             </a:r>
-            <a:endParaRPr lang="en-US"/>
           </a:p>
         </p:txBody>
       </p:sp>
@@ -2117,7 +2117,7 @@
           <a:p>
             <a:fld id="{78C97017-6FC3-485B-9764-EAC9E56C1D49}" type="datetimeFigureOut">
               <a:rPr lang="en-US" smtClean="0"/>
-              <a:t>10/16/2016</a:t>
+              <a:t>10/15/2018</a:t>
             </a:fld>
             <a:endParaRPr lang="en-US"/>
           </a:p>
@@ -2211,10 +2211,9 @@
           <a:lstStyle/>
           <a:p>
             <a:r>
-              <a:rPr lang="en-US" smtClean="0"/>
+              <a:rPr lang="en-US"/>
               <a:t>Click to edit Master title style</a:t>
             </a:r>
-            <a:endParaRPr lang="en-US"/>
           </a:p>
         </p:txBody>
       </p:sp>
@@ -2235,7 +2234,7 @@
           <a:p>
             <a:fld id="{78C97017-6FC3-485B-9764-EAC9E56C1D49}" type="datetimeFigureOut">
               <a:rPr lang="en-US" smtClean="0"/>
-              <a:t>10/16/2016</a:t>
+              <a:t>10/15/2018</a:t>
             </a:fld>
             <a:endParaRPr lang="en-US"/>
           </a:p>
@@ -2330,7 +2329,7 @@
           <a:p>
             <a:fld id="{78C97017-6FC3-485B-9764-EAC9E56C1D49}" type="datetimeFigureOut">
               <a:rPr lang="en-US" smtClean="0"/>
-              <a:t>10/16/2016</a:t>
+              <a:t>10/15/2018</a:t>
             </a:fld>
             <a:endParaRPr lang="en-US"/>
           </a:p>
@@ -2433,10 +2432,9 @@
           </a:lstStyle>
           <a:p>
             <a:r>
-              <a:rPr lang="en-US" smtClean="0"/>
+              <a:rPr lang="en-US"/>
               <a:t>Click to edit Master title style</a:t>
             </a:r>
-            <a:endParaRPr lang="en-US"/>
           </a:p>
         </p:txBody>
       </p:sp>
@@ -2490,38 +2488,37 @@
           <a:p>
             <a:pPr lvl="0"/>
             <a:r>
-              <a:rPr lang="en-US" smtClean="0"/>
+              <a:rPr lang="en-US"/>
               <a:t>Click to edit Master text styles</a:t>
             </a:r>
           </a:p>
           <a:p>
             <a:pPr lvl="1"/>
             <a:r>
-              <a:rPr lang="en-US" smtClean="0"/>
+              <a:rPr lang="en-US"/>
               <a:t>Second level</a:t>
             </a:r>
           </a:p>
           <a:p>
             <a:pPr lvl="2"/>
             <a:r>
-              <a:rPr lang="en-US" smtClean="0"/>
+              <a:rPr lang="en-US"/>
               <a:t>Third level</a:t>
             </a:r>
           </a:p>
           <a:p>
             <a:pPr lvl="3"/>
             <a:r>
-              <a:rPr lang="en-US" smtClean="0"/>
+              <a:rPr lang="en-US"/>
               <a:t>Fourth level</a:t>
             </a:r>
           </a:p>
           <a:p>
             <a:pPr lvl="4"/>
             <a:r>
-              <a:rPr lang="en-US" smtClean="0"/>
+              <a:rPr lang="en-US"/>
               <a:t>Fifth level</a:t>
             </a:r>
-            <a:endParaRPr lang="en-US"/>
           </a:p>
         </p:txBody>
       </p:sp>
@@ -2584,7 +2581,7 @@
           <a:p>
             <a:pPr lvl="0"/>
             <a:r>
-              <a:rPr lang="en-US" smtClean="0"/>
+              <a:rPr lang="en-US"/>
               <a:t>Click to edit Master text styles</a:t>
             </a:r>
           </a:p>
@@ -2607,7 +2604,7 @@
           <a:p>
             <a:fld id="{78C97017-6FC3-485B-9764-EAC9E56C1D49}" type="datetimeFigureOut">
               <a:rPr lang="en-US" smtClean="0"/>
-              <a:t>10/16/2016</a:t>
+              <a:t>10/15/2018</a:t>
             </a:fld>
             <a:endParaRPr lang="en-US"/>
           </a:p>
@@ -2710,10 +2707,9 @@
           </a:lstStyle>
           <a:p>
             <a:r>
-              <a:rPr lang="en-US" smtClean="0"/>
+              <a:rPr lang="en-US"/>
               <a:t>Click to edit Master title style</a:t>
             </a:r>
-            <a:endParaRPr lang="en-US"/>
           </a:p>
         </p:txBody>
       </p:sp>
@@ -2837,7 +2833,7 @@
           <a:p>
             <a:pPr lvl="0"/>
             <a:r>
-              <a:rPr lang="en-US" smtClean="0"/>
+              <a:rPr lang="en-US"/>
               <a:t>Click to edit Master text styles</a:t>
             </a:r>
           </a:p>
@@ -2860,7 +2856,7 @@
           <a:p>
             <a:fld id="{78C97017-6FC3-485B-9764-EAC9E56C1D49}" type="datetimeFigureOut">
               <a:rPr lang="en-US" smtClean="0"/>
-              <a:t>10/16/2016</a:t>
+              <a:t>10/15/2018</a:t>
             </a:fld>
             <a:endParaRPr lang="en-US"/>
           </a:p>
@@ -2969,10 +2965,9 @@
           <a:lstStyle/>
           <a:p>
             <a:r>
-              <a:rPr lang="en-US" smtClean="0"/>
+              <a:rPr lang="en-US"/>
               <a:t>Click to edit Master title style</a:t>
             </a:r>
-            <a:endParaRPr lang="en-US"/>
           </a:p>
         </p:txBody>
       </p:sp>
@@ -3003,38 +2998,37 @@
           <a:p>
             <a:pPr lvl="0"/>
             <a:r>
-              <a:rPr lang="en-US" smtClean="0"/>
+              <a:rPr lang="en-US"/>
               <a:t>Click to edit Master text styles</a:t>
             </a:r>
           </a:p>
           <a:p>
             <a:pPr lvl="1"/>
             <a:r>
-              <a:rPr lang="en-US" smtClean="0"/>
+              <a:rPr lang="en-US"/>
               <a:t>Second level</a:t>
             </a:r>
           </a:p>
           <a:p>
             <a:pPr lvl="2"/>
             <a:r>
-              <a:rPr lang="en-US" smtClean="0"/>
+              <a:rPr lang="en-US"/>
               <a:t>Third level</a:t>
             </a:r>
           </a:p>
           <a:p>
             <a:pPr lvl="3"/>
             <a:r>
-              <a:rPr lang="en-US" smtClean="0"/>
+              <a:rPr lang="en-US"/>
               <a:t>Fourth level</a:t>
             </a:r>
           </a:p>
           <a:p>
             <a:pPr lvl="4"/>
             <a:r>
-              <a:rPr lang="en-US" smtClean="0"/>
+              <a:rPr lang="en-US"/>
               <a:t>Fifth level</a:t>
             </a:r>
-            <a:endParaRPr lang="en-US"/>
           </a:p>
         </p:txBody>
       </p:sp>
@@ -3073,7 +3067,7 @@
           <a:p>
             <a:fld id="{78C97017-6FC3-485B-9764-EAC9E56C1D49}" type="datetimeFigureOut">
               <a:rPr lang="en-US" smtClean="0"/>
-              <a:t>10/16/2016</a:t>
+              <a:t>10/15/2018</a:t>
             </a:fld>
             <a:endParaRPr lang="en-US"/>
           </a:p>
@@ -3457,7 +3451,7 @@
         <p:spPr>
           <a:xfrm>
             <a:off x="1119865" y="2086382"/>
-            <a:ext cx="7871735" cy="1723618"/>
+            <a:ext cx="7871735" cy="2169378"/>
           </a:xfrm>
           <a:prstGeom prst="roundRect">
             <a:avLst>
@@ -3494,7 +3488,7 @@
           <a:lstStyle/>
           <a:p>
             <a:r>
-              <a:rPr lang="en-US" sz="1200" b="1" dirty="0" smtClean="0">
+              <a:rPr lang="en-US" sz="1200" b="1" dirty="0">
                 <a:solidFill>
                   <a:schemeClr val="accent6">
                     <a:lumMod val="75000"/>
@@ -3521,7 +3515,7 @@
         </p:nvSpPr>
         <p:spPr>
           <a:xfrm>
-            <a:off x="2877180" y="3158440"/>
+            <a:off x="2868432" y="2549983"/>
             <a:ext cx="1323049" cy="346760"/>
           </a:xfrm>
           <a:prstGeom prst="rect">
@@ -3561,7 +3555,7 @@
           <a:p>
             <a:pPr algn="ctr"/>
             <a:r>
-              <a:rPr lang="en-US" sz="1050" dirty="0" smtClean="0">
+              <a:rPr lang="en-US" sz="1050" dirty="0">
                 <a:solidFill>
                   <a:schemeClr val="bg1"/>
                 </a:solidFill>
@@ -3569,14 +3563,14 @@
               <a:t>&lt;&lt;interface&gt;&gt;</a:t>
             </a:r>
             <a:br>
-              <a:rPr lang="en-US" sz="1050" dirty="0" smtClean="0">
+              <a:rPr lang="en-US" sz="1050" dirty="0">
                 <a:solidFill>
                   <a:schemeClr val="bg1"/>
                 </a:solidFill>
               </a:rPr>
             </a:br>
             <a:r>
-              <a:rPr lang="en-US" sz="1050" dirty="0" err="1" smtClean="0">
+              <a:rPr lang="en-US" sz="1050" dirty="0" err="1">
                 <a:solidFill>
                   <a:schemeClr val="bg1"/>
                 </a:solidFill>
@@ -3599,8 +3593,8 @@
         </p:nvSpPr>
         <p:spPr>
           <a:xfrm rot="16200000">
-            <a:off x="1683963" y="2868687"/>
-            <a:ext cx="1093635" cy="346760"/>
+            <a:off x="1459106" y="3093544"/>
+            <a:ext cx="1543349" cy="346760"/>
           </a:xfrm>
           <a:prstGeom prst="rect">
             <a:avLst/>
@@ -3639,7 +3633,7 @@
           <a:p>
             <a:pPr algn="ctr"/>
             <a:r>
-              <a:rPr lang="en-US" sz="1050" dirty="0" err="1" smtClean="0">
+              <a:rPr lang="en-US" sz="1050" dirty="0" err="1">
                 <a:solidFill>
                   <a:schemeClr val="bg1"/>
                 </a:solidFill>
@@ -3662,8 +3656,8 @@
         </p:nvSpPr>
         <p:spPr>
           <a:xfrm rot="16200000">
-            <a:off x="956202" y="2861202"/>
-            <a:ext cx="1093635" cy="346760"/>
+            <a:off x="727602" y="3089802"/>
+            <a:ext cx="1550835" cy="346760"/>
           </a:xfrm>
           <a:prstGeom prst="rect">
             <a:avLst/>
@@ -3713,7 +3707,7 @@
           <a:p>
             <a:pPr algn="ctr"/>
             <a:r>
-              <a:rPr lang="en-US" sz="1050" dirty="0" smtClean="0">
+              <a:rPr lang="en-US" sz="1050" dirty="0">
                 <a:solidFill>
                   <a:schemeClr val="bg1"/>
                 </a:solidFill>
@@ -3736,7 +3730,7 @@
         </p:nvSpPr>
         <p:spPr>
           <a:xfrm rot="16200000">
-            <a:off x="1626910" y="2952291"/>
+            <a:off x="1643664" y="3179310"/>
             <a:ext cx="270504" cy="175523"/>
           </a:xfrm>
           <a:prstGeom prst="triangle">
@@ -3794,7 +3788,7 @@
         </p:nvCxnSpPr>
         <p:spPr>
           <a:xfrm>
-            <a:off x="2656370" y="3326536"/>
+            <a:off x="2647622" y="2718079"/>
             <a:ext cx="220810" cy="5284"/>
           </a:xfrm>
           <a:prstGeom prst="straightConnector1">
@@ -3834,7 +3828,7 @@
         </p:nvCxnSpPr>
         <p:spPr>
           <a:xfrm>
-            <a:off x="910091" y="3040053"/>
+            <a:off x="920388" y="3267072"/>
             <a:ext cx="419548" cy="2860"/>
           </a:xfrm>
           <a:prstGeom prst="bentConnector3">
@@ -3879,7 +3873,7 @@
         </p:nvCxnSpPr>
         <p:spPr>
           <a:xfrm flipV="1">
-            <a:off x="1849924" y="3040052"/>
+            <a:off x="1866678" y="3267071"/>
             <a:ext cx="216105" cy="1"/>
           </a:xfrm>
           <a:prstGeom prst="line">
@@ -3920,7 +3914,7 @@
         </p:nvSpPr>
         <p:spPr>
           <a:xfrm>
-            <a:off x="2420322" y="3239846"/>
+            <a:off x="2411574" y="2631389"/>
             <a:ext cx="236048" cy="173380"/>
           </a:xfrm>
           <a:prstGeom prst="flowChartDecision">
@@ -3974,7 +3968,7 @@
         </p:nvCxnSpPr>
         <p:spPr>
           <a:xfrm flipV="1">
-            <a:off x="4398041" y="3331820"/>
+            <a:off x="4389293" y="2723363"/>
             <a:ext cx="223324" cy="1"/>
           </a:xfrm>
           <a:prstGeom prst="bentConnector3">
@@ -4017,7 +4011,7 @@
         </p:nvSpPr>
         <p:spPr>
           <a:xfrm rot="5400000" flipV="1">
-            <a:off x="4175027" y="3244059"/>
+            <a:off x="4166279" y="2635602"/>
             <a:ext cx="270504" cy="175523"/>
           </a:xfrm>
           <a:prstGeom prst="triangle">
@@ -4075,7 +4069,7 @@
         </p:nvCxnSpPr>
         <p:spPr>
           <a:xfrm>
-            <a:off x="5791200" y="3331820"/>
+            <a:off x="5782452" y="2723363"/>
             <a:ext cx="228600" cy="1970"/>
           </a:xfrm>
           <a:prstGeom prst="bentConnector3">
@@ -4118,7 +4112,7 @@
         </p:nvSpPr>
         <p:spPr>
           <a:xfrm>
-            <a:off x="4621365" y="3158440"/>
+            <a:off x="4612617" y="2549983"/>
             <a:ext cx="1169835" cy="346760"/>
           </a:xfrm>
           <a:prstGeom prst="rect">
@@ -4147,7 +4141,7 @@
           <a:p>
             <a:pPr algn="ctr"/>
             <a:r>
-              <a:rPr lang="en-US" sz="1050" b="1" dirty="0" err="1" smtClean="0">
+              <a:rPr lang="en-US" sz="1050" b="1" dirty="0" err="1">
                 <a:solidFill>
                   <a:schemeClr val="accent6">
                     <a:lumMod val="75000"/>
@@ -4156,18 +4150,8 @@
               </a:rPr>
               <a:t>XmlAddressBook</a:t>
             </a:r>
-            <a:r>
-              <a:rPr lang="en-US" sz="1050" b="1" dirty="0" smtClean="0">
-                <a:solidFill>
-                  <a:schemeClr val="accent6">
-                    <a:lumMod val="75000"/>
-                  </a:schemeClr>
-                </a:solidFill>
-              </a:rPr>
-              <a:t/>
-            </a:r>
             <a:br>
-              <a:rPr lang="en-US" sz="1050" b="1" dirty="0" smtClean="0">
+              <a:rPr lang="en-US" sz="1050" b="1" dirty="0">
                 <a:solidFill>
                   <a:schemeClr val="accent6">
                     <a:lumMod val="75000"/>
@@ -4176,7 +4160,7 @@
               </a:rPr>
             </a:br>
             <a:r>
-              <a:rPr lang="en-US" sz="1050" b="1" dirty="0" smtClean="0">
+              <a:rPr lang="en-US" sz="1050" b="1" dirty="0">
                 <a:solidFill>
                   <a:schemeClr val="accent6">
                     <a:lumMod val="75000"/>
@@ -4203,7 +4187,7 @@
         </p:nvSpPr>
         <p:spPr>
           <a:xfrm>
-            <a:off x="2873943" y="2558040"/>
+            <a:off x="2868432" y="3095113"/>
             <a:ext cx="1323049" cy="346760"/>
           </a:xfrm>
           <a:prstGeom prst="rect">
@@ -4243,7 +4227,7 @@
           <a:p>
             <a:pPr algn="ctr"/>
             <a:r>
-              <a:rPr lang="en-US" sz="1050" dirty="0" smtClean="0">
+              <a:rPr lang="en-US" sz="1050" dirty="0">
                 <a:solidFill>
                   <a:schemeClr val="bg1"/>
                 </a:solidFill>
@@ -4251,14 +4235,14 @@
               <a:t>&lt;&lt;interface&gt;&gt;</a:t>
             </a:r>
             <a:br>
-              <a:rPr lang="en-US" sz="1050" dirty="0" smtClean="0">
+              <a:rPr lang="en-US" sz="1050" dirty="0">
                 <a:solidFill>
                   <a:schemeClr val="bg1"/>
                 </a:solidFill>
               </a:rPr>
             </a:br>
             <a:r>
-              <a:rPr lang="en-US" sz="1050" dirty="0" err="1" smtClean="0">
+              <a:rPr lang="en-US" sz="1050" dirty="0" err="1">
                 <a:solidFill>
                   <a:schemeClr val="bg1"/>
                 </a:solidFill>
@@ -4284,7 +4268,7 @@
         </p:nvCxnSpPr>
         <p:spPr>
           <a:xfrm>
-            <a:off x="2653133" y="2726136"/>
+            <a:off x="2647622" y="3263209"/>
             <a:ext cx="220810" cy="5284"/>
           </a:xfrm>
           <a:prstGeom prst="straightConnector1">
@@ -4324,7 +4308,7 @@
         </p:nvSpPr>
         <p:spPr>
           <a:xfrm>
-            <a:off x="2417085" y="2639446"/>
+            <a:off x="2411574" y="3176519"/>
             <a:ext cx="236048" cy="173380"/>
           </a:xfrm>
           <a:prstGeom prst="flowChartDecision">
@@ -4378,7 +4362,7 @@
         </p:nvCxnSpPr>
         <p:spPr>
           <a:xfrm flipV="1">
-            <a:off x="4394804" y="2731420"/>
+            <a:off x="4389293" y="3268493"/>
             <a:ext cx="223324" cy="1"/>
           </a:xfrm>
           <a:prstGeom prst="bentConnector3">
@@ -4421,7 +4405,7 @@
         </p:nvSpPr>
         <p:spPr>
           <a:xfrm rot="5400000" flipV="1">
-            <a:off x="4171790" y="2643659"/>
+            <a:off x="4166279" y="3180732"/>
             <a:ext cx="270504" cy="175523"/>
           </a:xfrm>
           <a:prstGeom prst="triangle">
@@ -4476,7 +4460,7 @@
         </p:nvSpPr>
         <p:spPr>
           <a:xfrm>
-            <a:off x="4618128" y="2558040"/>
+            <a:off x="4612617" y="3095113"/>
             <a:ext cx="1093635" cy="346760"/>
           </a:xfrm>
           <a:prstGeom prst="rect">
@@ -4516,30 +4500,22 @@
           <a:p>
             <a:pPr algn="ctr"/>
             <a:r>
-              <a:rPr lang="en-US" sz="1050" dirty="0" err="1" smtClean="0">
+              <a:rPr lang="en-US" sz="1050" dirty="0" err="1">
                 <a:solidFill>
                   <a:schemeClr val="bg1"/>
                 </a:solidFill>
               </a:rPr>
               <a:t>JsonUserPrefs</a:t>
             </a:r>
-            <a:r>
-              <a:rPr lang="en-US" sz="1050" dirty="0" smtClean="0">
-                <a:solidFill>
-                  <a:schemeClr val="bg1"/>
-                </a:solidFill>
-              </a:rPr>
-              <a:t/>
-            </a:r>
             <a:br>
-              <a:rPr lang="en-US" sz="1050" dirty="0" smtClean="0">
+              <a:rPr lang="en-US" sz="1050" dirty="0">
                 <a:solidFill>
                   <a:schemeClr val="bg1"/>
                 </a:solidFill>
               </a:rPr>
             </a:br>
             <a:r>
-              <a:rPr lang="en-US" sz="1050" dirty="0" smtClean="0">
+              <a:rPr lang="en-US" sz="1050" dirty="0">
                 <a:solidFill>
                   <a:schemeClr val="bg1"/>
                 </a:solidFill>
@@ -4562,7 +4538,7 @@
         </p:nvSpPr>
         <p:spPr>
           <a:xfrm>
-            <a:off x="6019800" y="3160410"/>
+            <a:off x="6011052" y="2551953"/>
             <a:ext cx="1200707" cy="346760"/>
           </a:xfrm>
           <a:prstGeom prst="rect">
@@ -4591,7 +4567,7 @@
           <a:p>
             <a:pPr algn="ctr"/>
             <a:r>
-              <a:rPr lang="en-US" sz="1050" b="1" dirty="0" err="1" smtClean="0">
+              <a:rPr lang="en-US" sz="1050" b="1" dirty="0" err="1">
                 <a:solidFill>
                   <a:schemeClr val="accent6">
                     <a:lumMod val="75000"/>
@@ -4600,18 +4576,8 @@
               </a:rPr>
               <a:t>XmlSerializable</a:t>
             </a:r>
-            <a:r>
-              <a:rPr lang="en-US" sz="1050" b="1" dirty="0" smtClean="0">
-                <a:solidFill>
-                  <a:schemeClr val="accent6">
-                    <a:lumMod val="75000"/>
-                  </a:schemeClr>
-                </a:solidFill>
-              </a:rPr>
-              <a:t/>
-            </a:r>
             <a:br>
-              <a:rPr lang="en-US" sz="1050" b="1" dirty="0" smtClean="0">
+              <a:rPr lang="en-US" sz="1050" b="1" dirty="0">
                 <a:solidFill>
                   <a:schemeClr val="accent6">
                     <a:lumMod val="75000"/>
@@ -4620,7 +4586,7 @@
               </a:rPr>
             </a:br>
             <a:r>
-              <a:rPr lang="en-US" sz="1050" b="1" dirty="0" err="1" smtClean="0">
+              <a:rPr lang="en-US" sz="1050" b="1" dirty="0" err="1">
                 <a:solidFill>
                   <a:schemeClr val="accent6">
                     <a:lumMod val="75000"/>
@@ -4643,15 +4609,15 @@
         <p:nvCxnSpPr>
           <p:cNvPr id="70" name="Elbow Connector 122"/>
           <p:cNvCxnSpPr>
-            <a:stCxn id="74" idx="0"/>
-            <a:endCxn id="73" idx="2"/>
+            <a:cxnSpLocks/>
+            <a:endCxn id="38" idx="0"/>
           </p:cNvCxnSpPr>
           <p:nvPr/>
         </p:nvCxnSpPr>
         <p:spPr>
-          <a:xfrm rot="5400000" flipH="1" flipV="1">
-            <a:off x="8077993" y="2992020"/>
-            <a:ext cx="335208" cy="12700"/>
+          <a:xfrm rot="16200000" flipH="1">
+            <a:off x="8142499" y="2999369"/>
+            <a:ext cx="188594" cy="105"/>
           </a:xfrm>
           <a:prstGeom prst="bentConnector3">
             <a:avLst>
@@ -4682,13 +4648,13 @@
       </p:cxnSp>
       <p:sp>
         <p:nvSpPr>
-          <p:cNvPr id="73" name="Rectangle 8"/>
+          <p:cNvPr id="74" name="Rectangle 8"/>
           <p:cNvSpPr/>
           <p:nvPr/>
         </p:nvSpPr>
         <p:spPr>
           <a:xfrm>
-            <a:off x="7615738" y="2477656"/>
+            <a:off x="7606990" y="2551167"/>
             <a:ext cx="1259718" cy="346760"/>
           </a:xfrm>
           <a:prstGeom prst="rect">
@@ -4717,14 +4683,14 @@
           <a:p>
             <a:pPr algn="ctr"/>
             <a:r>
-              <a:rPr lang="en-US" sz="1050" b="1" dirty="0" err="1" smtClean="0">
+              <a:rPr lang="en-US" sz="1050" b="1" dirty="0" err="1">
                 <a:solidFill>
                   <a:schemeClr val="accent6">
                     <a:lumMod val="75000"/>
                   </a:schemeClr>
                 </a:solidFill>
               </a:rPr>
-              <a:t>XmlAdaptedTag</a:t>
+              <a:t>XmlAdaptedPerson</a:t>
             </a:r>
             <a:endParaRPr lang="en-SG" sz="1050" b="1" dirty="0">
               <a:solidFill>
@@ -4736,21 +4702,30 @@
           </a:p>
         </p:txBody>
       </p:sp>
-      <p:sp>
-        <p:nvSpPr>
-          <p:cNvPr id="74" name="Rectangle 8"/>
-          <p:cNvSpPr/>
+      <p:cxnSp>
+        <p:nvCxnSpPr>
+          <p:cNvPr id="77" name="Elbow Connector 122"/>
+          <p:cNvCxnSpPr>
+            <a:stCxn id="66" idx="3"/>
+            <a:endCxn id="74" idx="1"/>
+          </p:cNvCxnSpPr>
           <p:nvPr/>
-        </p:nvSpPr>
-        <p:spPr>
-          <a:xfrm>
-            <a:off x="7615738" y="3159624"/>
-            <a:ext cx="1259718" cy="346760"/>
-          </a:xfrm>
-          <a:prstGeom prst="rect">
-            <a:avLst/>
+        </p:nvCxnSpPr>
+        <p:spPr>
+          <a:xfrm flipV="1">
+            <a:off x="7211759" y="2724547"/>
+            <a:ext cx="395231" cy="786"/>
+          </a:xfrm>
+          <a:prstGeom prst="bentConnector3">
+            <a:avLst>
+              <a:gd name="adj1" fmla="val 50000"/>
+            </a:avLst>
           </a:prstGeom>
-          <a:ln w="19050"/>
+          <a:ln w="19050">
+            <a:prstDash val="sysDot"/>
+            <a:headEnd type="none" w="med" len="med"/>
+            <a:tailEnd type="arrow" w="med" len="med"/>
+          </a:ln>
           <a:effectLst/>
         </p:spPr>
         <p:style>
@@ -4767,20 +4742,432 @@
             <a:schemeClr val="dk1"/>
           </a:fontRef>
         </p:style>
+      </p:cxnSp>
+      <p:sp>
+        <p:nvSpPr>
+          <p:cNvPr id="29" name="Rectangle 8">
+            <a:extLst>
+              <a:ext uri="{FF2B5EF4-FFF2-40B4-BE49-F238E27FC236}">
+                <a16:creationId xmlns:a16="http://schemas.microsoft.com/office/drawing/2014/main" id="{F2ACD460-1325-43DA-BAEE-A8EE0C3196D0}"/>
+              </a:ext>
+            </a:extLst>
+          </p:cNvPr>
+          <p:cNvSpPr/>
+          <p:nvPr/>
+        </p:nvSpPr>
+        <p:spPr>
+          <a:xfrm>
+            <a:off x="2868432" y="3648900"/>
+            <a:ext cx="1323049" cy="346760"/>
+          </a:xfrm>
+          <a:prstGeom prst="rect">
+            <a:avLst/>
+          </a:prstGeom>
+          <a:solidFill>
+            <a:schemeClr val="accent6">
+              <a:lumMod val="75000"/>
+            </a:schemeClr>
+          </a:solidFill>
+          <a:ln w="19050">
+            <a:solidFill>
+              <a:schemeClr val="accent6">
+                <a:lumMod val="75000"/>
+              </a:schemeClr>
+            </a:solidFill>
+          </a:ln>
+          <a:effectLst/>
+        </p:spPr>
+        <p:style>
+          <a:lnRef idx="1">
+            <a:schemeClr val="accent2"/>
+          </a:lnRef>
+          <a:fillRef idx="2">
+            <a:schemeClr val="accent2"/>
+          </a:fillRef>
+          <a:effectRef idx="1">
+            <a:schemeClr val="accent2"/>
+          </a:effectRef>
+          <a:fontRef idx="minor">
+            <a:schemeClr val="dk1"/>
+          </a:fontRef>
+        </p:style>
         <p:txBody>
           <a:bodyPr rtlCol="0" anchor="ctr"/>
           <a:lstStyle/>
           <a:p>
             <a:pPr algn="ctr"/>
             <a:r>
-              <a:rPr lang="en-US" sz="1050" b="1" dirty="0" err="1" smtClean="0">
+              <a:rPr lang="en-US" sz="1050" dirty="0">
+                <a:solidFill>
+                  <a:schemeClr val="bg1"/>
+                </a:solidFill>
+              </a:rPr>
+              <a:t>&lt;&lt;interface&gt;&gt;</a:t>
+            </a:r>
+            <a:br>
+              <a:rPr lang="en-US" sz="1050" dirty="0">
+                <a:solidFill>
+                  <a:schemeClr val="bg1"/>
+                </a:solidFill>
+              </a:rPr>
+            </a:br>
+            <a:r>
+              <a:rPr lang="en-US" sz="1050" dirty="0" err="1">
+                <a:solidFill>
+                  <a:schemeClr val="bg1"/>
+                </a:solidFill>
+              </a:rPr>
+              <a:t>ScheduleStorage</a:t>
+            </a:r>
+            <a:endParaRPr lang="en-SG" sz="1050" dirty="0">
+              <a:solidFill>
+                <a:schemeClr val="bg1"/>
+              </a:solidFill>
+            </a:endParaRPr>
+          </a:p>
+        </p:txBody>
+      </p:sp>
+      <p:cxnSp>
+        <p:nvCxnSpPr>
+          <p:cNvPr id="30" name="Straight Arrow Connector 29">
+            <a:extLst>
+              <a:ext uri="{FF2B5EF4-FFF2-40B4-BE49-F238E27FC236}">
+                <a16:creationId xmlns:a16="http://schemas.microsoft.com/office/drawing/2014/main" id="{47516F30-4F31-4E2A-ADE7-E253F62FEBC6}"/>
+              </a:ext>
+            </a:extLst>
+          </p:cNvPr>
+          <p:cNvCxnSpPr>
+            <a:stCxn id="31" idx="3"/>
+            <a:endCxn id="29" idx="1"/>
+          </p:cNvCxnSpPr>
+          <p:nvPr/>
+        </p:nvCxnSpPr>
+        <p:spPr>
+          <a:xfrm>
+            <a:off x="2647622" y="3816996"/>
+            <a:ext cx="220810" cy="5284"/>
+          </a:xfrm>
+          <a:prstGeom prst="straightConnector1">
+            <a:avLst/>
+          </a:prstGeom>
+          <a:ln w="19050">
+            <a:solidFill>
+              <a:schemeClr val="accent6">
+                <a:lumMod val="75000"/>
+              </a:schemeClr>
+            </a:solidFill>
+            <a:headEnd type="none" w="med" len="med"/>
+            <a:tailEnd type="arrow" w="med" len="med"/>
+          </a:ln>
+          <a:effectLst/>
+        </p:spPr>
+        <p:style>
+          <a:lnRef idx="1">
+            <a:schemeClr val="accent2"/>
+          </a:lnRef>
+          <a:fillRef idx="2">
+            <a:schemeClr val="accent2"/>
+          </a:fillRef>
+          <a:effectRef idx="1">
+            <a:schemeClr val="accent2"/>
+          </a:effectRef>
+          <a:fontRef idx="minor">
+            <a:schemeClr val="dk1"/>
+          </a:fontRef>
+        </p:style>
+      </p:cxnSp>
+      <p:sp>
+        <p:nvSpPr>
+          <p:cNvPr id="31" name="Flowchart: Decision 96">
+            <a:extLst>
+              <a:ext uri="{FF2B5EF4-FFF2-40B4-BE49-F238E27FC236}">
+                <a16:creationId xmlns:a16="http://schemas.microsoft.com/office/drawing/2014/main" id="{BF0FCF64-21C0-4B73-9D65-1558FAD44DC6}"/>
+              </a:ext>
+            </a:extLst>
+          </p:cNvPr>
+          <p:cNvSpPr/>
+          <p:nvPr/>
+        </p:nvSpPr>
+        <p:spPr>
+          <a:xfrm>
+            <a:off x="2411574" y="3730306"/>
+            <a:ext cx="236048" cy="173380"/>
+          </a:xfrm>
+          <a:prstGeom prst="flowChartDecision">
+            <a:avLst/>
+          </a:prstGeom>
+          <a:noFill/>
+          <a:ln w="19050">
+            <a:solidFill>
+              <a:schemeClr val="accent6">
+                <a:lumMod val="75000"/>
+              </a:schemeClr>
+            </a:solidFill>
+          </a:ln>
+          <a:effectLst/>
+        </p:spPr>
+        <p:style>
+          <a:lnRef idx="1">
+            <a:schemeClr val="accent2"/>
+          </a:lnRef>
+          <a:fillRef idx="2">
+            <a:schemeClr val="accent2"/>
+          </a:fillRef>
+          <a:effectRef idx="1">
+            <a:schemeClr val="accent2"/>
+          </a:effectRef>
+          <a:fontRef idx="minor">
+            <a:schemeClr val="dk1"/>
+          </a:fontRef>
+        </p:style>
+        <p:txBody>
+          <a:bodyPr rtlCol="0" anchor="ctr"/>
+          <a:lstStyle/>
+          <a:p>
+            <a:pPr algn="ctr"/>
+            <a:endParaRPr lang="en-US" sz="1050">
+              <a:solidFill>
+                <a:schemeClr val="bg1"/>
+              </a:solidFill>
+            </a:endParaRPr>
+          </a:p>
+        </p:txBody>
+      </p:sp>
+      <p:cxnSp>
+        <p:nvCxnSpPr>
+          <p:cNvPr id="32" name="Elbow Connector 63">
+            <a:extLst>
+              <a:ext uri="{FF2B5EF4-FFF2-40B4-BE49-F238E27FC236}">
+                <a16:creationId xmlns:a16="http://schemas.microsoft.com/office/drawing/2014/main" id="{32828046-AE65-4FD5-B8E9-6BF7A366B586}"/>
+              </a:ext>
+            </a:extLst>
+          </p:cNvPr>
+          <p:cNvCxnSpPr>
+            <a:stCxn id="33" idx="3"/>
+            <a:endCxn id="35" idx="1"/>
+          </p:cNvCxnSpPr>
+          <p:nvPr/>
+        </p:nvCxnSpPr>
+        <p:spPr>
+          <a:xfrm flipV="1">
+            <a:off x="4389293" y="3822280"/>
+            <a:ext cx="223324" cy="1"/>
+          </a:xfrm>
+          <a:prstGeom prst="bentConnector3">
+            <a:avLst>
+              <a:gd name="adj1" fmla="val 50000"/>
+            </a:avLst>
+          </a:prstGeom>
+          <a:ln w="19050">
+            <a:solidFill>
+              <a:schemeClr val="accent6">
+                <a:lumMod val="75000"/>
+              </a:schemeClr>
+            </a:solidFill>
+            <a:prstDash val="sysDot"/>
+            <a:headEnd type="none" w="med" len="med"/>
+            <a:tailEnd type="none" w="med" len="med"/>
+          </a:ln>
+          <a:effectLst/>
+        </p:spPr>
+        <p:style>
+          <a:lnRef idx="1">
+            <a:schemeClr val="accent2"/>
+          </a:lnRef>
+          <a:fillRef idx="2">
+            <a:schemeClr val="accent2"/>
+          </a:fillRef>
+          <a:effectRef idx="1">
+            <a:schemeClr val="accent2"/>
+          </a:effectRef>
+          <a:fontRef idx="minor">
+            <a:schemeClr val="dk1"/>
+          </a:fontRef>
+        </p:style>
+      </p:cxnSp>
+      <p:sp>
+        <p:nvSpPr>
+          <p:cNvPr id="33" name="Isosceles Triangle 102">
+            <a:extLst>
+              <a:ext uri="{FF2B5EF4-FFF2-40B4-BE49-F238E27FC236}">
+                <a16:creationId xmlns:a16="http://schemas.microsoft.com/office/drawing/2014/main" id="{ABEF310F-086D-40C4-B99B-3240E5FDBBA1}"/>
+              </a:ext>
+            </a:extLst>
+          </p:cNvPr>
+          <p:cNvSpPr/>
+          <p:nvPr/>
+        </p:nvSpPr>
+        <p:spPr>
+          <a:xfrm rot="5400000" flipV="1">
+            <a:off x="4166279" y="3734519"/>
+            <a:ext cx="270504" cy="175523"/>
+          </a:xfrm>
+          <a:prstGeom prst="triangle">
+            <a:avLst/>
+          </a:prstGeom>
+          <a:solidFill>
+            <a:schemeClr val="accent6">
+              <a:lumMod val="75000"/>
+            </a:schemeClr>
+          </a:solidFill>
+          <a:ln w="19050">
+            <a:solidFill>
+              <a:schemeClr val="accent6">
+                <a:lumMod val="75000"/>
+              </a:schemeClr>
+            </a:solidFill>
+          </a:ln>
+          <a:effectLst/>
+        </p:spPr>
+        <p:style>
+          <a:lnRef idx="1">
+            <a:schemeClr val="accent2"/>
+          </a:lnRef>
+          <a:fillRef idx="2">
+            <a:schemeClr val="accent2"/>
+          </a:fillRef>
+          <a:effectRef idx="1">
+            <a:schemeClr val="accent2"/>
+          </a:effectRef>
+          <a:fontRef idx="minor">
+            <a:schemeClr val="dk1"/>
+          </a:fontRef>
+        </p:style>
+        <p:txBody>
+          <a:bodyPr rtlCol="0" anchor="ctr"/>
+          <a:lstStyle/>
+          <a:p>
+            <a:pPr algn="ctr"/>
+            <a:endParaRPr lang="en-SG" sz="1050">
+              <a:solidFill>
+                <a:schemeClr val="bg1"/>
+              </a:solidFill>
+            </a:endParaRPr>
+          </a:p>
+        </p:txBody>
+      </p:sp>
+      <p:cxnSp>
+        <p:nvCxnSpPr>
+          <p:cNvPr id="34" name="Elbow Connector 122">
+            <a:extLst>
+              <a:ext uri="{FF2B5EF4-FFF2-40B4-BE49-F238E27FC236}">
+                <a16:creationId xmlns:a16="http://schemas.microsoft.com/office/drawing/2014/main" id="{90D5A390-D43F-4625-8E90-250D3A0E3729}"/>
+              </a:ext>
+            </a:extLst>
+          </p:cNvPr>
+          <p:cNvCxnSpPr>
+            <a:stCxn id="35" idx="3"/>
+            <a:endCxn id="36" idx="1"/>
+          </p:cNvCxnSpPr>
+          <p:nvPr/>
+        </p:nvCxnSpPr>
+        <p:spPr>
+          <a:xfrm>
+            <a:off x="5782452" y="3822280"/>
+            <a:ext cx="228600" cy="1970"/>
+          </a:xfrm>
+          <a:prstGeom prst="bentConnector3">
+            <a:avLst>
+              <a:gd name="adj1" fmla="val 50000"/>
+            </a:avLst>
+          </a:prstGeom>
+          <a:ln w="19050">
+            <a:solidFill>
+              <a:schemeClr val="accent6">
+                <a:lumMod val="75000"/>
+              </a:schemeClr>
+            </a:solidFill>
+            <a:prstDash val="sysDot"/>
+            <a:headEnd type="none" w="med" len="med"/>
+            <a:tailEnd type="arrow" w="med" len="med"/>
+          </a:ln>
+          <a:effectLst/>
+        </p:spPr>
+        <p:style>
+          <a:lnRef idx="1">
+            <a:schemeClr val="accent2"/>
+          </a:lnRef>
+          <a:fillRef idx="2">
+            <a:schemeClr val="accent2"/>
+          </a:fillRef>
+          <a:effectRef idx="1">
+            <a:schemeClr val="accent2"/>
+          </a:effectRef>
+          <a:fontRef idx="minor">
+            <a:schemeClr val="dk1"/>
+          </a:fontRef>
+        </p:style>
+      </p:cxnSp>
+      <p:sp>
+        <p:nvSpPr>
+          <p:cNvPr id="35" name="Rectangle 8">
+            <a:extLst>
+              <a:ext uri="{FF2B5EF4-FFF2-40B4-BE49-F238E27FC236}">
+                <a16:creationId xmlns:a16="http://schemas.microsoft.com/office/drawing/2014/main" id="{B81D036A-5A4A-4158-AA1D-1ADA17BF11C8}"/>
+              </a:ext>
+            </a:extLst>
+          </p:cNvPr>
+          <p:cNvSpPr/>
+          <p:nvPr/>
+        </p:nvSpPr>
+        <p:spPr>
+          <a:xfrm>
+            <a:off x="4612617" y="3648900"/>
+            <a:ext cx="1169835" cy="346760"/>
+          </a:xfrm>
+          <a:prstGeom prst="rect">
+            <a:avLst/>
+          </a:prstGeom>
+          <a:ln w="19050"/>
+          <a:effectLst/>
+        </p:spPr>
+        <p:style>
+          <a:lnRef idx="1">
+            <a:schemeClr val="accent6"/>
+          </a:lnRef>
+          <a:fillRef idx="2">
+            <a:schemeClr val="accent6"/>
+          </a:fillRef>
+          <a:effectRef idx="1">
+            <a:schemeClr val="accent6"/>
+          </a:effectRef>
+          <a:fontRef idx="minor">
+            <a:schemeClr val="dk1"/>
+          </a:fontRef>
+        </p:style>
+        <p:txBody>
+          <a:bodyPr rtlCol="0" anchor="ctr"/>
+          <a:lstStyle/>
+          <a:p>
+            <a:pPr algn="ctr"/>
+            <a:r>
+              <a:rPr lang="en-US" sz="1050" b="1" dirty="0" err="1">
                 <a:solidFill>
                   <a:schemeClr val="accent6">
                     <a:lumMod val="75000"/>
                   </a:schemeClr>
                 </a:solidFill>
               </a:rPr>
-              <a:t>XmlAdaptedPerson</a:t>
+              <a:t>XmlSchedule</a:t>
+            </a:r>
+            <a:br>
+              <a:rPr lang="en-US" sz="1050" b="1" dirty="0">
+                <a:solidFill>
+                  <a:schemeClr val="accent6">
+                    <a:lumMod val="75000"/>
+                  </a:schemeClr>
+                </a:solidFill>
+              </a:rPr>
+            </a:br>
+            <a:r>
+              <a:rPr lang="en-US" sz="1050" b="1" dirty="0">
+                <a:solidFill>
+                  <a:schemeClr val="accent6">
+                    <a:lumMod val="75000"/>
+                  </a:schemeClr>
+                </a:solidFill>
+              </a:rPr>
+              <a:t>Storage</a:t>
             </a:r>
             <a:endParaRPr lang="en-SG" sz="1050" b="1" dirty="0">
               <a:solidFill>
@@ -4792,18 +5179,276 @@
           </a:p>
         </p:txBody>
       </p:sp>
+      <p:sp>
+        <p:nvSpPr>
+          <p:cNvPr id="36" name="Rectangle 8">
+            <a:extLst>
+              <a:ext uri="{FF2B5EF4-FFF2-40B4-BE49-F238E27FC236}">
+                <a16:creationId xmlns:a16="http://schemas.microsoft.com/office/drawing/2014/main" id="{5FA7B5EC-33B6-4540-BA9F-05681D93B690}"/>
+              </a:ext>
+            </a:extLst>
+          </p:cNvPr>
+          <p:cNvSpPr/>
+          <p:nvPr/>
+        </p:nvSpPr>
+        <p:spPr>
+          <a:xfrm>
+            <a:off x="6011052" y="3650870"/>
+            <a:ext cx="1200707" cy="346760"/>
+          </a:xfrm>
+          <a:prstGeom prst="rect">
+            <a:avLst/>
+          </a:prstGeom>
+          <a:ln w="19050"/>
+          <a:effectLst/>
+        </p:spPr>
+        <p:style>
+          <a:lnRef idx="1">
+            <a:schemeClr val="accent6"/>
+          </a:lnRef>
+          <a:fillRef idx="2">
+            <a:schemeClr val="accent6"/>
+          </a:fillRef>
+          <a:effectRef idx="1">
+            <a:schemeClr val="accent6"/>
+          </a:effectRef>
+          <a:fontRef idx="minor">
+            <a:schemeClr val="dk1"/>
+          </a:fontRef>
+        </p:style>
+        <p:txBody>
+          <a:bodyPr rtlCol="0" anchor="ctr"/>
+          <a:lstStyle/>
+          <a:p>
+            <a:pPr algn="ctr"/>
+            <a:r>
+              <a:rPr lang="en-US" sz="1050" b="1" dirty="0" err="1">
+                <a:solidFill>
+                  <a:schemeClr val="accent6">
+                    <a:lumMod val="75000"/>
+                  </a:schemeClr>
+                </a:solidFill>
+              </a:rPr>
+              <a:t>XmlSerializable</a:t>
+            </a:r>
+            <a:br>
+              <a:rPr lang="en-US" sz="1050" b="1" dirty="0">
+                <a:solidFill>
+                  <a:schemeClr val="accent6">
+                    <a:lumMod val="75000"/>
+                  </a:schemeClr>
+                </a:solidFill>
+              </a:rPr>
+            </a:br>
+            <a:r>
+              <a:rPr lang="en-US" sz="1050" b="1" dirty="0">
+                <a:solidFill>
+                  <a:schemeClr val="accent6">
+                    <a:lumMod val="75000"/>
+                  </a:schemeClr>
+                </a:solidFill>
+              </a:rPr>
+              <a:t>Schedule</a:t>
+            </a:r>
+            <a:endParaRPr lang="en-SG" sz="1050" b="1" dirty="0">
+              <a:solidFill>
+                <a:schemeClr val="accent6">
+                  <a:lumMod val="75000"/>
+                </a:schemeClr>
+              </a:solidFill>
+            </a:endParaRPr>
+          </a:p>
+        </p:txBody>
+      </p:sp>
       <p:cxnSp>
         <p:nvCxnSpPr>
-          <p:cNvPr id="77" name="Elbow Connector 122"/>
+          <p:cNvPr id="37" name="Elbow Connector 122">
+            <a:extLst>
+              <a:ext uri="{FF2B5EF4-FFF2-40B4-BE49-F238E27FC236}">
+                <a16:creationId xmlns:a16="http://schemas.microsoft.com/office/drawing/2014/main" id="{54E3764A-C344-460E-8EF1-B8DE5B2CBE28}"/>
+              </a:ext>
+            </a:extLst>
+          </p:cNvPr>
           <p:cNvCxnSpPr>
-            <a:stCxn id="66" idx="3"/>
-            <a:endCxn id="74" idx="1"/>
+            <a:cxnSpLocks/>
+            <a:endCxn id="38" idx="2"/>
           </p:cNvCxnSpPr>
           <p:nvPr/>
         </p:nvCxnSpPr>
         <p:spPr>
+          <a:xfrm rot="5400000" flipH="1" flipV="1">
+            <a:off x="8130619" y="3546608"/>
+            <a:ext cx="212359" cy="102"/>
+          </a:xfrm>
+          <a:prstGeom prst="bentConnector3">
+            <a:avLst>
+              <a:gd name="adj1" fmla="val 50000"/>
+            </a:avLst>
+          </a:prstGeom>
+          <a:ln w="19050">
+            <a:prstDash val="sysDot"/>
+            <a:headEnd type="none" w="med" len="med"/>
+            <a:tailEnd type="arrow" w="med" len="med"/>
+          </a:ln>
+          <a:effectLst/>
+        </p:spPr>
+        <p:style>
+          <a:lnRef idx="1">
+            <a:schemeClr val="accent6"/>
+          </a:lnRef>
+          <a:fillRef idx="2">
+            <a:schemeClr val="accent6"/>
+          </a:fillRef>
+          <a:effectRef idx="1">
+            <a:schemeClr val="accent6"/>
+          </a:effectRef>
+          <a:fontRef idx="minor">
+            <a:schemeClr val="dk1"/>
+          </a:fontRef>
+        </p:style>
+      </p:cxnSp>
+      <p:sp>
+        <p:nvSpPr>
+          <p:cNvPr id="38" name="Rectangle 8">
+            <a:extLst>
+              <a:ext uri="{FF2B5EF4-FFF2-40B4-BE49-F238E27FC236}">
+                <a16:creationId xmlns:a16="http://schemas.microsoft.com/office/drawing/2014/main" id="{B82F3E6D-05BE-4A93-A3C4-A0744E19E3A5}"/>
+              </a:ext>
+            </a:extLst>
+          </p:cNvPr>
+          <p:cNvSpPr/>
+          <p:nvPr/>
+        </p:nvSpPr>
+        <p:spPr>
+          <a:xfrm>
+            <a:off x="7606990" y="3093719"/>
+            <a:ext cx="1259718" cy="346760"/>
+          </a:xfrm>
+          <a:prstGeom prst="rect">
+            <a:avLst/>
+          </a:prstGeom>
+          <a:ln w="19050"/>
+          <a:effectLst/>
+        </p:spPr>
+        <p:style>
+          <a:lnRef idx="1">
+            <a:schemeClr val="accent6"/>
+          </a:lnRef>
+          <a:fillRef idx="2">
+            <a:schemeClr val="accent6"/>
+          </a:fillRef>
+          <a:effectRef idx="1">
+            <a:schemeClr val="accent6"/>
+          </a:effectRef>
+          <a:fontRef idx="minor">
+            <a:schemeClr val="dk1"/>
+          </a:fontRef>
+        </p:style>
+        <p:txBody>
+          <a:bodyPr rtlCol="0" anchor="ctr"/>
+          <a:lstStyle/>
+          <a:p>
+            <a:pPr algn="ctr"/>
+            <a:r>
+              <a:rPr lang="en-US" sz="1050" b="1" dirty="0" err="1">
+                <a:solidFill>
+                  <a:schemeClr val="accent6">
+                    <a:lumMod val="75000"/>
+                  </a:schemeClr>
+                </a:solidFill>
+              </a:rPr>
+              <a:t>XmlAdaptedTag</a:t>
+            </a:r>
+            <a:endParaRPr lang="en-SG" sz="1050" b="1" dirty="0">
+              <a:solidFill>
+                <a:schemeClr val="accent6">
+                  <a:lumMod val="75000"/>
+                </a:schemeClr>
+              </a:solidFill>
+            </a:endParaRPr>
+          </a:p>
+        </p:txBody>
+      </p:sp>
+      <p:sp>
+        <p:nvSpPr>
+          <p:cNvPr id="39" name="Rectangle 8">
+            <a:extLst>
+              <a:ext uri="{FF2B5EF4-FFF2-40B4-BE49-F238E27FC236}">
+                <a16:creationId xmlns:a16="http://schemas.microsoft.com/office/drawing/2014/main" id="{27FAB070-881A-401F-89AF-72CADDE0A420}"/>
+              </a:ext>
+            </a:extLst>
+          </p:cNvPr>
+          <p:cNvSpPr/>
+          <p:nvPr/>
+        </p:nvSpPr>
+        <p:spPr>
+          <a:xfrm>
+            <a:off x="7606990" y="3650084"/>
+            <a:ext cx="1259718" cy="346760"/>
+          </a:xfrm>
+          <a:prstGeom prst="rect">
+            <a:avLst/>
+          </a:prstGeom>
+          <a:ln w="19050"/>
+          <a:effectLst/>
+        </p:spPr>
+        <p:style>
+          <a:lnRef idx="1">
+            <a:schemeClr val="accent6"/>
+          </a:lnRef>
+          <a:fillRef idx="2">
+            <a:schemeClr val="accent6"/>
+          </a:fillRef>
+          <a:effectRef idx="1">
+            <a:schemeClr val="accent6"/>
+          </a:effectRef>
+          <a:fontRef idx="minor">
+            <a:schemeClr val="dk1"/>
+          </a:fontRef>
+        </p:style>
+        <p:txBody>
+          <a:bodyPr rtlCol="0" anchor="ctr"/>
+          <a:lstStyle/>
+          <a:p>
+            <a:pPr algn="ctr"/>
+            <a:r>
+              <a:rPr lang="en-US" sz="1050" b="1" dirty="0" err="1">
+                <a:solidFill>
+                  <a:schemeClr val="accent6">
+                    <a:lumMod val="75000"/>
+                  </a:schemeClr>
+                </a:solidFill>
+              </a:rPr>
+              <a:t>XmlAdaptedEvent</a:t>
+            </a:r>
+            <a:endParaRPr lang="en-SG" sz="1050" b="1" dirty="0">
+              <a:solidFill>
+                <a:schemeClr val="accent6">
+                  <a:lumMod val="75000"/>
+                </a:schemeClr>
+              </a:solidFill>
+            </a:endParaRPr>
+          </a:p>
+        </p:txBody>
+      </p:sp>
+      <p:cxnSp>
+        <p:nvCxnSpPr>
+          <p:cNvPr id="40" name="Elbow Connector 122">
+            <a:extLst>
+              <a:ext uri="{FF2B5EF4-FFF2-40B4-BE49-F238E27FC236}">
+                <a16:creationId xmlns:a16="http://schemas.microsoft.com/office/drawing/2014/main" id="{944F8EA5-B093-4E39-878A-AD113A808A11}"/>
+              </a:ext>
+            </a:extLst>
+          </p:cNvPr>
+          <p:cNvCxnSpPr>
+            <a:stCxn id="36" idx="3"/>
+            <a:endCxn id="39" idx="1"/>
+          </p:cNvCxnSpPr>
+          <p:nvPr/>
+        </p:nvCxnSpPr>
+        <p:spPr>
           <a:xfrm flipV="1">
-            <a:off x="7220507" y="3333004"/>
+            <a:off x="7211759" y="3823464"/>
             <a:ext cx="395231" cy="786"/>
           </a:xfrm>
           <a:prstGeom prst="bentConnector3">
@@ -4843,13 +5488,6 @@
   <p:clrMapOvr>
     <a:masterClrMapping/>
   </p:clrMapOvr>
-  <p:timing>
-    <p:tnLst>
-      <p:par>
-        <p:cTn id="1" dur="indefinite" restart="never" nodeType="tmRoot"/>
-      </p:par>
-    </p:tnLst>
-  </p:timing>
 </p:sld>
 </file>
 
